--- a/hom1.pptx
+++ b/hom1.pptx
@@ -275,7 +275,7 @@
           <a:p>
             <a:fld id="{DAA270F2-9F5D-4624-8B6C-2FCFDD185D88}" type="datetimeFigureOut">
               <a:rPr lang="en-US" smtClean="0"/>
-              <a:t>11/25/2020</a:t>
+              <a:t>5/5/2021</a:t>
             </a:fld>
             <a:endParaRPr lang="en-US"/>
           </a:p>
@@ -473,7 +473,7 @@
           <a:p>
             <a:fld id="{DAA270F2-9F5D-4624-8B6C-2FCFDD185D88}" type="datetimeFigureOut">
               <a:rPr lang="en-US" smtClean="0"/>
-              <a:t>11/25/2020</a:t>
+              <a:t>5/5/2021</a:t>
             </a:fld>
             <a:endParaRPr lang="en-US"/>
           </a:p>
@@ -681,7 +681,7 @@
           <a:p>
             <a:fld id="{DAA270F2-9F5D-4624-8B6C-2FCFDD185D88}" type="datetimeFigureOut">
               <a:rPr lang="en-US" smtClean="0"/>
-              <a:t>11/25/2020</a:t>
+              <a:t>5/5/2021</a:t>
             </a:fld>
             <a:endParaRPr lang="en-US"/>
           </a:p>
@@ -879,7 +879,7 @@
           <a:p>
             <a:fld id="{DAA270F2-9F5D-4624-8B6C-2FCFDD185D88}" type="datetimeFigureOut">
               <a:rPr lang="en-US" smtClean="0"/>
-              <a:t>11/25/2020</a:t>
+              <a:t>5/5/2021</a:t>
             </a:fld>
             <a:endParaRPr lang="en-US"/>
           </a:p>
@@ -1154,7 +1154,7 @@
           <a:p>
             <a:fld id="{DAA270F2-9F5D-4624-8B6C-2FCFDD185D88}" type="datetimeFigureOut">
               <a:rPr lang="en-US" smtClean="0"/>
-              <a:t>11/25/2020</a:t>
+              <a:t>5/5/2021</a:t>
             </a:fld>
             <a:endParaRPr lang="en-US"/>
           </a:p>
@@ -1419,7 +1419,7 @@
           <a:p>
             <a:fld id="{DAA270F2-9F5D-4624-8B6C-2FCFDD185D88}" type="datetimeFigureOut">
               <a:rPr lang="en-US" smtClean="0"/>
-              <a:t>11/25/2020</a:t>
+              <a:t>5/5/2021</a:t>
             </a:fld>
             <a:endParaRPr lang="en-US"/>
           </a:p>
@@ -1831,7 +1831,7 @@
           <a:p>
             <a:fld id="{DAA270F2-9F5D-4624-8B6C-2FCFDD185D88}" type="datetimeFigureOut">
               <a:rPr lang="en-US" smtClean="0"/>
-              <a:t>11/25/2020</a:t>
+              <a:t>5/5/2021</a:t>
             </a:fld>
             <a:endParaRPr lang="en-US"/>
           </a:p>
@@ -1972,7 +1972,7 @@
           <a:p>
             <a:fld id="{DAA270F2-9F5D-4624-8B6C-2FCFDD185D88}" type="datetimeFigureOut">
               <a:rPr lang="en-US" smtClean="0"/>
-              <a:t>11/25/2020</a:t>
+              <a:t>5/5/2021</a:t>
             </a:fld>
             <a:endParaRPr lang="en-US"/>
           </a:p>
@@ -2085,7 +2085,7 @@
           <a:p>
             <a:fld id="{DAA270F2-9F5D-4624-8B6C-2FCFDD185D88}" type="datetimeFigureOut">
               <a:rPr lang="en-US" smtClean="0"/>
-              <a:t>11/25/2020</a:t>
+              <a:t>5/5/2021</a:t>
             </a:fld>
             <a:endParaRPr lang="en-US"/>
           </a:p>
@@ -2396,7 +2396,7 @@
           <a:p>
             <a:fld id="{DAA270F2-9F5D-4624-8B6C-2FCFDD185D88}" type="datetimeFigureOut">
               <a:rPr lang="en-US" smtClean="0"/>
-              <a:t>11/25/2020</a:t>
+              <a:t>5/5/2021</a:t>
             </a:fld>
             <a:endParaRPr lang="en-US"/>
           </a:p>
@@ -2684,7 +2684,7 @@
           <a:p>
             <a:fld id="{DAA270F2-9F5D-4624-8B6C-2FCFDD185D88}" type="datetimeFigureOut">
               <a:rPr lang="en-US" smtClean="0"/>
-              <a:t>11/25/2020</a:t>
+              <a:t>5/5/2021</a:t>
             </a:fld>
             <a:endParaRPr lang="en-US"/>
           </a:p>
@@ -2925,7 +2925,7 @@
           <a:p>
             <a:fld id="{DAA270F2-9F5D-4624-8B6C-2FCFDD185D88}" type="datetimeFigureOut">
               <a:rPr lang="en-US" smtClean="0"/>
-              <a:t>11/25/2020</a:t>
+              <a:t>5/5/2021</a:t>
             </a:fld>
             <a:endParaRPr lang="en-US"/>
           </a:p>
@@ -4781,7 +4781,7 @@
         <p:spPr>
           <a:xfrm>
             <a:off x="1135954" y="2442515"/>
-            <a:ext cx="2056973" cy="369332"/>
+            <a:ext cx="2297424" cy="369332"/>
           </a:xfrm>
           <a:prstGeom prst="rect">
             <a:avLst/>
@@ -4804,8 +4804,29 @@
                 </a:solidFill>
                 <a:latin typeface="Eras Light ITC" panose="020B0402030504020804" pitchFamily="34" charset="0"/>
               </a:rPr>
-              <a:t>Sep 2020 ~ Present</a:t>
-            </a:r>
+              <a:t>Sep 2020 </a:t>
+            </a:r>
+            <a:r>
+              <a:rPr lang="en-US" b="1">
+                <a:solidFill>
+                  <a:schemeClr val="tx1">
+                    <a:lumMod val="50000"/>
+                    <a:lumOff val="50000"/>
+                  </a:schemeClr>
+                </a:solidFill>
+                <a:latin typeface="Eras Light ITC" panose="020B0402030504020804" pitchFamily="34" charset="0"/>
+              </a:rPr>
+              <a:t>~ Dec 2020</a:t>
+            </a:r>
+            <a:endParaRPr lang="en-US" b="1" dirty="0">
+              <a:solidFill>
+                <a:schemeClr val="tx1">
+                  <a:lumMod val="50000"/>
+                  <a:lumOff val="50000"/>
+                </a:schemeClr>
+              </a:solidFill>
+              <a:latin typeface="Eras Light ITC" panose="020B0402030504020804" pitchFamily="34" charset="0"/>
+            </a:endParaRPr>
           </a:p>
         </p:txBody>
       </p:sp>
